--- a/bill.ppt.pptx
+++ b/bill.ppt.pptx
@@ -5,14 +5,15 @@
     <p:sldMasterId id="2147483792" r:id="rId1"/>
   </p:sldMasterIdLst>
   <p:sldIdLst>
-    <p:sldId id="256" r:id="rId2"/>
-    <p:sldId id="257" r:id="rId3"/>
-    <p:sldId id="258" r:id="rId4"/>
-    <p:sldId id="259" r:id="rId5"/>
-    <p:sldId id="260" r:id="rId6"/>
-    <p:sldId id="261" r:id="rId7"/>
-    <p:sldId id="262" r:id="rId8"/>
-    <p:sldId id="263" r:id="rId9"/>
+    <p:sldId id="264" r:id="rId2"/>
+    <p:sldId id="256" r:id="rId3"/>
+    <p:sldId id="257" r:id="rId4"/>
+    <p:sldId id="258" r:id="rId5"/>
+    <p:sldId id="259" r:id="rId6"/>
+    <p:sldId id="260" r:id="rId7"/>
+    <p:sldId id="261" r:id="rId8"/>
+    <p:sldId id="262" r:id="rId9"/>
+    <p:sldId id="263" r:id="rId10"/>
   </p:sldIdLst>
   <p:sldSz cx="9144000" cy="5143500" type="screen16x9"/>
   <p:notesSz cx="6858000" cy="9144000"/>
@@ -187,7 +188,7 @@
           <a:noFill/>
           <a:extLst>
             <a:ext uri="{909E8E84-426E-40dd-AFC4-6F175D3DCCD1}">
-              <a14:hiddenFill xmlns:a14="http://schemas.microsoft.com/office/drawing/2010/main" xmlns="">
+              <a14:hiddenFill xmlns="" xmlns:a14="http://schemas.microsoft.com/office/drawing/2010/main">
                 <a:solidFill>
                   <a:srgbClr val="FFFFFF"/>
                 </a:solidFill>
@@ -246,7 +247,7 @@
             </a:ln>
             <a:extLst>
               <a:ext uri="{91240B29-F687-4f45-9708-019B960494DF}">
-                <a14:hiddenLine xmlns:a14="http://schemas.microsoft.com/office/drawing/2010/main" xmlns="" w="9525">
+                <a14:hiddenLine xmlns="" xmlns:a14="http://schemas.microsoft.com/office/drawing/2010/main" w="9525">
                   <a:solidFill>
                     <a:srgbClr val="000000"/>
                   </a:solidFill>
@@ -336,7 +337,7 @@
             </a:ln>
             <a:extLst>
               <a:ext uri="{91240B29-F687-4f45-9708-019B960494DF}">
-                <a14:hiddenLine xmlns:a14="http://schemas.microsoft.com/office/drawing/2010/main" xmlns="" w="9525">
+                <a14:hiddenLine xmlns="" xmlns:a14="http://schemas.microsoft.com/office/drawing/2010/main" w="9525">
                   <a:solidFill>
                     <a:srgbClr val="000000"/>
                   </a:solidFill>
@@ -426,7 +427,7 @@
             </a:ln>
             <a:extLst>
               <a:ext uri="{91240B29-F687-4f45-9708-019B960494DF}">
-                <a14:hiddenLine xmlns:a14="http://schemas.microsoft.com/office/drawing/2010/main" xmlns="" w="9525">
+                <a14:hiddenLine xmlns="" xmlns:a14="http://schemas.microsoft.com/office/drawing/2010/main" w="9525">
                   <a:solidFill>
                     <a:srgbClr val="000000"/>
                   </a:solidFill>
@@ -460,7 +461,7 @@
             </a:ln>
             <a:extLst>
               <a:ext uri="{91240B29-F687-4f45-9708-019B960494DF}">
-                <a14:hiddenLine xmlns:a14="http://schemas.microsoft.com/office/drawing/2010/main" xmlns="" w="9525">
+                <a14:hiddenLine xmlns="" xmlns:a14="http://schemas.microsoft.com/office/drawing/2010/main" w="9525">
                   <a:solidFill>
                     <a:srgbClr val="000000"/>
                   </a:solidFill>
@@ -550,7 +551,7 @@
             </a:ln>
             <a:extLst>
               <a:ext uri="{91240B29-F687-4f45-9708-019B960494DF}">
-                <a14:hiddenLine xmlns:a14="http://schemas.microsoft.com/office/drawing/2010/main" xmlns="" w="9525">
+                <a14:hiddenLine xmlns="" xmlns:a14="http://schemas.microsoft.com/office/drawing/2010/main" w="9525">
                   <a:solidFill>
                     <a:srgbClr val="000000"/>
                   </a:solidFill>
@@ -612,7 +613,7 @@
             </a:ln>
             <a:extLst>
               <a:ext uri="{91240B29-F687-4f45-9708-019B960494DF}">
-                <a14:hiddenLine xmlns:a14="http://schemas.microsoft.com/office/drawing/2010/main" xmlns="" w="9525">
+                <a14:hiddenLine xmlns="" xmlns:a14="http://schemas.microsoft.com/office/drawing/2010/main" w="9525">
                   <a:solidFill>
                     <a:srgbClr val="000000"/>
                   </a:solidFill>
@@ -674,7 +675,7 @@
             </a:ln>
             <a:extLst>
               <a:ext uri="{91240B29-F687-4f45-9708-019B960494DF}">
-                <a14:hiddenLine xmlns:a14="http://schemas.microsoft.com/office/drawing/2010/main" xmlns="" w="9525">
+                <a14:hiddenLine xmlns="" xmlns:a14="http://schemas.microsoft.com/office/drawing/2010/main" w="9525">
                   <a:solidFill>
                     <a:srgbClr val="000000"/>
                   </a:solidFill>
@@ -764,7 +765,7 @@
             </a:ln>
             <a:extLst>
               <a:ext uri="{91240B29-F687-4f45-9708-019B960494DF}">
-                <a14:hiddenLine xmlns:a14="http://schemas.microsoft.com/office/drawing/2010/main" xmlns="" w="9525">
+                <a14:hiddenLine xmlns="" xmlns:a14="http://schemas.microsoft.com/office/drawing/2010/main" w="9525">
                   <a:solidFill>
                     <a:srgbClr val="000000"/>
                   </a:solidFill>
@@ -826,7 +827,7 @@
             </a:ln>
             <a:extLst>
               <a:ext uri="{91240B29-F687-4f45-9708-019B960494DF}">
-                <a14:hiddenLine xmlns:a14="http://schemas.microsoft.com/office/drawing/2010/main" xmlns="" w="9525">
+                <a14:hiddenLine xmlns="" xmlns:a14="http://schemas.microsoft.com/office/drawing/2010/main" w="9525">
                   <a:solidFill>
                     <a:srgbClr val="000000"/>
                   </a:solidFill>
@@ -888,7 +889,7 @@
             </a:ln>
             <a:extLst>
               <a:ext uri="{91240B29-F687-4f45-9708-019B960494DF}">
-                <a14:hiddenLine xmlns:a14="http://schemas.microsoft.com/office/drawing/2010/main" xmlns="" w="9525">
+                <a14:hiddenLine xmlns="" xmlns:a14="http://schemas.microsoft.com/office/drawing/2010/main" w="9525">
                   <a:solidFill>
                     <a:srgbClr val="000000"/>
                   </a:solidFill>
@@ -978,7 +979,7 @@
             </a:ln>
             <a:extLst>
               <a:ext uri="{91240B29-F687-4f45-9708-019B960494DF}">
-                <a14:hiddenLine xmlns:a14="http://schemas.microsoft.com/office/drawing/2010/main" xmlns="" w="9525">
+                <a14:hiddenLine xmlns="" xmlns:a14="http://schemas.microsoft.com/office/drawing/2010/main" w="9525">
                   <a:solidFill>
                     <a:srgbClr val="000000"/>
                   </a:solidFill>
@@ -1068,7 +1069,7 @@
             </a:ln>
             <a:extLst>
               <a:ext uri="{91240B29-F687-4f45-9708-019B960494DF}">
-                <a14:hiddenLine xmlns:a14="http://schemas.microsoft.com/office/drawing/2010/main" xmlns="" w="9525">
+                <a14:hiddenLine xmlns="" xmlns:a14="http://schemas.microsoft.com/office/drawing/2010/main" w="9525">
                   <a:solidFill>
                     <a:srgbClr val="000000"/>
                   </a:solidFill>
@@ -1130,7 +1131,7 @@
             </a:ln>
             <a:extLst>
               <a:ext uri="{91240B29-F687-4f45-9708-019B960494DF}">
-                <a14:hiddenLine xmlns:a14="http://schemas.microsoft.com/office/drawing/2010/main" xmlns="" w="9525">
+                <a14:hiddenLine xmlns="" xmlns:a14="http://schemas.microsoft.com/office/drawing/2010/main" w="9525">
                   <a:solidFill>
                     <a:srgbClr val="000000"/>
                   </a:solidFill>
@@ -1240,7 +1241,7 @@
             </a:ln>
             <a:extLst>
               <a:ext uri="{91240B29-F687-4f45-9708-019B960494DF}">
-                <a14:hiddenLine xmlns:a14="http://schemas.microsoft.com/office/drawing/2010/main" xmlns="" w="9525">
+                <a14:hiddenLine xmlns="" xmlns:a14="http://schemas.microsoft.com/office/drawing/2010/main" w="9525">
                   <a:solidFill>
                     <a:srgbClr val="000000"/>
                   </a:solidFill>
@@ -1302,7 +1303,7 @@
             </a:ln>
             <a:extLst>
               <a:ext uri="{91240B29-F687-4f45-9708-019B960494DF}">
-                <a14:hiddenLine xmlns:a14="http://schemas.microsoft.com/office/drawing/2010/main" xmlns="" w="9525">
+                <a14:hiddenLine xmlns="" xmlns:a14="http://schemas.microsoft.com/office/drawing/2010/main" w="9525">
                   <a:solidFill>
                     <a:srgbClr val="000000"/>
                   </a:solidFill>
@@ -1392,7 +1393,7 @@
             </a:ln>
             <a:extLst>
               <a:ext uri="{91240B29-F687-4f45-9708-019B960494DF}">
-                <a14:hiddenLine xmlns:a14="http://schemas.microsoft.com/office/drawing/2010/main" xmlns="" w="9525">
+                <a14:hiddenLine xmlns="" xmlns:a14="http://schemas.microsoft.com/office/drawing/2010/main" w="9525">
                   <a:solidFill>
                     <a:srgbClr val="000000"/>
                   </a:solidFill>
@@ -1482,7 +1483,7 @@
             </a:ln>
             <a:extLst>
               <a:ext uri="{91240B29-F687-4f45-9708-019B960494DF}">
-                <a14:hiddenLine xmlns:a14="http://schemas.microsoft.com/office/drawing/2010/main" xmlns="" w="9525">
+                <a14:hiddenLine xmlns="" xmlns:a14="http://schemas.microsoft.com/office/drawing/2010/main" w="9525">
                   <a:solidFill>
                     <a:srgbClr val="000000"/>
                   </a:solidFill>
@@ -1544,7 +1545,7 @@
             </a:ln>
             <a:extLst>
               <a:ext uri="{91240B29-F687-4f45-9708-019B960494DF}">
-                <a14:hiddenLine xmlns:a14="http://schemas.microsoft.com/office/drawing/2010/main" xmlns="" w="9525">
+                <a14:hiddenLine xmlns="" xmlns:a14="http://schemas.microsoft.com/office/drawing/2010/main" w="9525">
                   <a:solidFill>
                     <a:srgbClr val="000000"/>
                   </a:solidFill>
@@ -1634,7 +1635,7 @@
             </a:ln>
             <a:extLst>
               <a:ext uri="{91240B29-F687-4f45-9708-019B960494DF}">
-                <a14:hiddenLine xmlns:a14="http://schemas.microsoft.com/office/drawing/2010/main" xmlns="" w="9525">
+                <a14:hiddenLine xmlns="" xmlns:a14="http://schemas.microsoft.com/office/drawing/2010/main" w="9525">
                   <a:solidFill>
                     <a:srgbClr val="000000"/>
                   </a:solidFill>
@@ -1724,7 +1725,7 @@
             </a:ln>
             <a:extLst>
               <a:ext uri="{91240B29-F687-4f45-9708-019B960494DF}">
-                <a14:hiddenLine xmlns:a14="http://schemas.microsoft.com/office/drawing/2010/main" xmlns="" w="9525">
+                <a14:hiddenLine xmlns="" xmlns:a14="http://schemas.microsoft.com/office/drawing/2010/main" w="9525">
                   <a:solidFill>
                     <a:srgbClr val="000000"/>
                   </a:solidFill>
@@ -1780,7 +1781,7 @@
             </a:ln>
             <a:extLst>
               <a:ext uri="{91240B29-F687-4f45-9708-019B960494DF}">
-                <a14:hiddenLine xmlns:a14="http://schemas.microsoft.com/office/drawing/2010/main" xmlns="" w="9525">
+                <a14:hiddenLine xmlns="" xmlns:a14="http://schemas.microsoft.com/office/drawing/2010/main" w="9525">
                   <a:solidFill>
                     <a:srgbClr val="000000"/>
                   </a:solidFill>
@@ -1870,7 +1871,7 @@
             </a:ln>
             <a:extLst>
               <a:ext uri="{91240B29-F687-4f45-9708-019B960494DF}">
-                <a14:hiddenLine xmlns:a14="http://schemas.microsoft.com/office/drawing/2010/main" xmlns="" w="9525">
+                <a14:hiddenLine xmlns="" xmlns:a14="http://schemas.microsoft.com/office/drawing/2010/main" w="9525">
                   <a:solidFill>
                     <a:srgbClr val="000000"/>
                   </a:solidFill>
@@ -1926,7 +1927,7 @@
             </a:ln>
             <a:extLst>
               <a:ext uri="{91240B29-F687-4f45-9708-019B960494DF}">
-                <a14:hiddenLine xmlns:a14="http://schemas.microsoft.com/office/drawing/2010/main" xmlns="" w="9525">
+                <a14:hiddenLine xmlns="" xmlns:a14="http://schemas.microsoft.com/office/drawing/2010/main" w="9525">
                   <a:solidFill>
                     <a:srgbClr val="000000"/>
                   </a:solidFill>
@@ -2016,7 +2017,7 @@
             </a:ln>
             <a:extLst>
               <a:ext uri="{91240B29-F687-4f45-9708-019B960494DF}">
-                <a14:hiddenLine xmlns:a14="http://schemas.microsoft.com/office/drawing/2010/main" xmlns="" w="9525">
+                <a14:hiddenLine xmlns="" xmlns:a14="http://schemas.microsoft.com/office/drawing/2010/main" w="9525">
                   <a:solidFill>
                     <a:srgbClr val="000000"/>
                   </a:solidFill>
@@ -2084,7 +2085,7 @@
             </a:ln>
             <a:extLst>
               <a:ext uri="{91240B29-F687-4f45-9708-019B960494DF}">
-                <a14:hiddenLine xmlns:a14="http://schemas.microsoft.com/office/drawing/2010/main" xmlns="" w="9525">
+                <a14:hiddenLine xmlns="" xmlns:a14="http://schemas.microsoft.com/office/drawing/2010/main" w="9525">
                   <a:solidFill>
                     <a:srgbClr val="000000"/>
                   </a:solidFill>
@@ -2174,7 +2175,7 @@
             </a:ln>
             <a:extLst>
               <a:ext uri="{91240B29-F687-4f45-9708-019B960494DF}">
-                <a14:hiddenLine xmlns:a14="http://schemas.microsoft.com/office/drawing/2010/main" xmlns="" w="9525">
+                <a14:hiddenLine xmlns="" xmlns:a14="http://schemas.microsoft.com/office/drawing/2010/main" w="9525">
                   <a:solidFill>
                     <a:srgbClr val="000000"/>
                   </a:solidFill>
@@ -2242,7 +2243,7 @@
             </a:ln>
             <a:extLst>
               <a:ext uri="{91240B29-F687-4f45-9708-019B960494DF}">
-                <a14:hiddenLine xmlns:a14="http://schemas.microsoft.com/office/drawing/2010/main" xmlns="" w="9525">
+                <a14:hiddenLine xmlns="" xmlns:a14="http://schemas.microsoft.com/office/drawing/2010/main" w="9525">
                   <a:solidFill>
                     <a:srgbClr val="000000"/>
                   </a:solidFill>
@@ -2332,7 +2333,7 @@
             </a:ln>
             <a:extLst>
               <a:ext uri="{91240B29-F687-4f45-9708-019B960494DF}">
-                <a14:hiddenLine xmlns:a14="http://schemas.microsoft.com/office/drawing/2010/main" xmlns="" w="9525">
+                <a14:hiddenLine xmlns="" xmlns:a14="http://schemas.microsoft.com/office/drawing/2010/main" w="9525">
                   <a:solidFill>
                     <a:srgbClr val="000000"/>
                   </a:solidFill>
@@ -2366,7 +2367,7 @@
             </a:ln>
             <a:extLst>
               <a:ext uri="{91240B29-F687-4f45-9708-019B960494DF}">
-                <a14:hiddenLine xmlns:a14="http://schemas.microsoft.com/office/drawing/2010/main" xmlns="" w="9525">
+                <a14:hiddenLine xmlns="" xmlns:a14="http://schemas.microsoft.com/office/drawing/2010/main" w="9525">
                   <a:solidFill>
                     <a:srgbClr val="000000"/>
                   </a:solidFill>
@@ -2456,7 +2457,7 @@
             </a:ln>
             <a:extLst>
               <a:ext uri="{91240B29-F687-4f45-9708-019B960494DF}">
-                <a14:hiddenLine xmlns:a14="http://schemas.microsoft.com/office/drawing/2010/main" xmlns="" w="9525">
+                <a14:hiddenLine xmlns="" xmlns:a14="http://schemas.microsoft.com/office/drawing/2010/main" w="9525">
                   <a:solidFill>
                     <a:srgbClr val="000000"/>
                   </a:solidFill>
@@ -2518,7 +2519,7 @@
             </a:ln>
             <a:extLst>
               <a:ext uri="{91240B29-F687-4f45-9708-019B960494DF}">
-                <a14:hiddenLine xmlns:a14="http://schemas.microsoft.com/office/drawing/2010/main" xmlns="" w="9525">
+                <a14:hiddenLine xmlns="" xmlns:a14="http://schemas.microsoft.com/office/drawing/2010/main" w="9525">
                   <a:solidFill>
                     <a:srgbClr val="000000"/>
                   </a:solidFill>
@@ -2580,7 +2581,7 @@
             </a:ln>
             <a:extLst>
               <a:ext uri="{91240B29-F687-4f45-9708-019B960494DF}">
-                <a14:hiddenLine xmlns:a14="http://schemas.microsoft.com/office/drawing/2010/main" xmlns="" w="9525">
+                <a14:hiddenLine xmlns="" xmlns:a14="http://schemas.microsoft.com/office/drawing/2010/main" w="9525">
                   <a:solidFill>
                     <a:srgbClr val="000000"/>
                   </a:solidFill>
@@ -2670,7 +2671,7 @@
             </a:ln>
             <a:extLst>
               <a:ext uri="{91240B29-F687-4f45-9708-019B960494DF}">
-                <a14:hiddenLine xmlns:a14="http://schemas.microsoft.com/office/drawing/2010/main" xmlns="" w="9525">
+                <a14:hiddenLine xmlns="" xmlns:a14="http://schemas.microsoft.com/office/drawing/2010/main" w="9525">
                   <a:solidFill>
                     <a:srgbClr val="000000"/>
                   </a:solidFill>
@@ -2738,7 +2739,7 @@
             </a:ln>
             <a:extLst>
               <a:ext uri="{91240B29-F687-4f45-9708-019B960494DF}">
-                <a14:hiddenLine xmlns:a14="http://schemas.microsoft.com/office/drawing/2010/main" xmlns="" w="9525">
+                <a14:hiddenLine xmlns="" xmlns:a14="http://schemas.microsoft.com/office/drawing/2010/main" w="9525">
                   <a:solidFill>
                     <a:srgbClr val="000000"/>
                   </a:solidFill>
@@ -2800,7 +2801,7 @@
             </a:ln>
             <a:extLst>
               <a:ext uri="{91240B29-F687-4f45-9708-019B960494DF}">
-                <a14:hiddenLine xmlns:a14="http://schemas.microsoft.com/office/drawing/2010/main" xmlns="" w="9525">
+                <a14:hiddenLine xmlns="" xmlns:a14="http://schemas.microsoft.com/office/drawing/2010/main" w="9525">
                   <a:solidFill>
                     <a:srgbClr val="000000"/>
                   </a:solidFill>
@@ -2890,7 +2891,7 @@
             </a:ln>
             <a:extLst>
               <a:ext uri="{91240B29-F687-4f45-9708-019B960494DF}">
-                <a14:hiddenLine xmlns:a14="http://schemas.microsoft.com/office/drawing/2010/main" xmlns="" w="9525">
+                <a14:hiddenLine xmlns="" xmlns:a14="http://schemas.microsoft.com/office/drawing/2010/main" w="9525">
                   <a:solidFill>
                     <a:srgbClr val="000000"/>
                   </a:solidFill>
@@ -2952,7 +2953,7 @@
             </a:ln>
             <a:extLst>
               <a:ext uri="{91240B29-F687-4f45-9708-019B960494DF}">
-                <a14:hiddenLine xmlns:a14="http://schemas.microsoft.com/office/drawing/2010/main" xmlns="" w="9525">
+                <a14:hiddenLine xmlns="" xmlns:a14="http://schemas.microsoft.com/office/drawing/2010/main" w="9525">
                   <a:solidFill>
                     <a:srgbClr val="000000"/>
                   </a:solidFill>
@@ -3042,7 +3043,7 @@
             </a:ln>
             <a:extLst>
               <a:ext uri="{91240B29-F687-4f45-9708-019B960494DF}">
-                <a14:hiddenLine xmlns:a14="http://schemas.microsoft.com/office/drawing/2010/main" xmlns="" w="9525">
+                <a14:hiddenLine xmlns="" xmlns:a14="http://schemas.microsoft.com/office/drawing/2010/main" w="9525">
                   <a:solidFill>
                     <a:srgbClr val="000000"/>
                   </a:solidFill>
@@ -3104,7 +3105,7 @@
             </a:ln>
             <a:extLst>
               <a:ext uri="{91240B29-F687-4f45-9708-019B960494DF}">
-                <a14:hiddenLine xmlns:a14="http://schemas.microsoft.com/office/drawing/2010/main" xmlns="" w="9525">
+                <a14:hiddenLine xmlns="" xmlns:a14="http://schemas.microsoft.com/office/drawing/2010/main" w="9525">
                   <a:solidFill>
                     <a:srgbClr val="000000"/>
                   </a:solidFill>
@@ -3194,7 +3195,7 @@
             </a:ln>
             <a:extLst>
               <a:ext uri="{91240B29-F687-4f45-9708-019B960494DF}">
-                <a14:hiddenLine xmlns:a14="http://schemas.microsoft.com/office/drawing/2010/main" xmlns="" w="9525">
+                <a14:hiddenLine xmlns="" xmlns:a14="http://schemas.microsoft.com/office/drawing/2010/main" w="9525">
                   <a:solidFill>
                     <a:srgbClr val="000000"/>
                   </a:solidFill>
@@ -3228,7 +3229,7 @@
             </a:ln>
             <a:extLst>
               <a:ext uri="{91240B29-F687-4f45-9708-019B960494DF}">
-                <a14:hiddenLine xmlns:a14="http://schemas.microsoft.com/office/drawing/2010/main" xmlns="" w="9525">
+                <a14:hiddenLine xmlns="" xmlns:a14="http://schemas.microsoft.com/office/drawing/2010/main" w="9525">
                   <a:solidFill>
                     <a:srgbClr val="000000"/>
                   </a:solidFill>
@@ -3293,7 +3294,7 @@
             </a:ln>
             <a:extLst>
               <a:ext uri="{91240B29-F687-4f45-9708-019B960494DF}">
-                <a14:hiddenLine xmlns:a14="http://schemas.microsoft.com/office/drawing/2010/main" xmlns="" w="9525">
+                <a14:hiddenLine xmlns="" xmlns:a14="http://schemas.microsoft.com/office/drawing/2010/main" w="9525">
                   <a:solidFill>
                     <a:srgbClr val="000000"/>
                   </a:solidFill>
@@ -3383,7 +3384,7 @@
             </a:ln>
             <a:extLst>
               <a:ext uri="{91240B29-F687-4f45-9708-019B960494DF}">
-                <a14:hiddenLine xmlns:a14="http://schemas.microsoft.com/office/drawing/2010/main" xmlns="" w="9525">
+                <a14:hiddenLine xmlns="" xmlns:a14="http://schemas.microsoft.com/office/drawing/2010/main" w="9525">
                   <a:solidFill>
                     <a:srgbClr val="000000"/>
                   </a:solidFill>
@@ -3445,7 +3446,7 @@
             </a:ln>
             <a:extLst>
               <a:ext uri="{91240B29-F687-4f45-9708-019B960494DF}">
-                <a14:hiddenLine xmlns:a14="http://schemas.microsoft.com/office/drawing/2010/main" xmlns="" w="9525">
+                <a14:hiddenLine xmlns="" xmlns:a14="http://schemas.microsoft.com/office/drawing/2010/main" w="9525">
                   <a:solidFill>
                     <a:srgbClr val="000000"/>
                   </a:solidFill>
@@ -3535,7 +3536,7 @@
             </a:ln>
             <a:extLst>
               <a:ext uri="{91240B29-F687-4f45-9708-019B960494DF}">
-                <a14:hiddenLine xmlns:a14="http://schemas.microsoft.com/office/drawing/2010/main" xmlns="" w="9525">
+                <a14:hiddenLine xmlns="" xmlns:a14="http://schemas.microsoft.com/office/drawing/2010/main" w="9525">
                   <a:solidFill>
                     <a:srgbClr val="000000"/>
                   </a:solidFill>
@@ -3625,7 +3626,7 @@
             </a:ln>
             <a:extLst>
               <a:ext uri="{91240B29-F687-4f45-9708-019B960494DF}">
-                <a14:hiddenLine xmlns:a14="http://schemas.microsoft.com/office/drawing/2010/main" xmlns="" w="9525">
+                <a14:hiddenLine xmlns="" xmlns:a14="http://schemas.microsoft.com/office/drawing/2010/main" w="9525">
                   <a:solidFill>
                     <a:srgbClr val="000000"/>
                   </a:solidFill>
@@ -3690,7 +3691,7 @@
             </a:ln>
             <a:extLst>
               <a:ext uri="{91240B29-F687-4f45-9708-019B960494DF}">
-                <a14:hiddenLine xmlns:a14="http://schemas.microsoft.com/office/drawing/2010/main" xmlns="" w="9525">
+                <a14:hiddenLine xmlns="" xmlns:a14="http://schemas.microsoft.com/office/drawing/2010/main" w="9525">
                   <a:solidFill>
                     <a:srgbClr val="000000"/>
                   </a:solidFill>
@@ -3752,7 +3753,7 @@
             </a:ln>
             <a:extLst>
               <a:ext uri="{91240B29-F687-4f45-9708-019B960494DF}">
-                <a14:hiddenLine xmlns:a14="http://schemas.microsoft.com/office/drawing/2010/main" xmlns="" w="9525">
+                <a14:hiddenLine xmlns="" xmlns:a14="http://schemas.microsoft.com/office/drawing/2010/main" w="9525">
                   <a:solidFill>
                     <a:srgbClr val="000000"/>
                   </a:solidFill>
@@ -3842,7 +3843,7 @@
             </a:ln>
             <a:extLst>
               <a:ext uri="{91240B29-F687-4f45-9708-019B960494DF}">
-                <a14:hiddenLine xmlns:a14="http://schemas.microsoft.com/office/drawing/2010/main" xmlns="" w="9525">
+                <a14:hiddenLine xmlns="" xmlns:a14="http://schemas.microsoft.com/office/drawing/2010/main" w="9525">
                   <a:solidFill>
                     <a:srgbClr val="000000"/>
                   </a:solidFill>
@@ -3932,7 +3933,7 @@
             </a:ln>
             <a:extLst>
               <a:ext uri="{91240B29-F687-4f45-9708-019B960494DF}">
-                <a14:hiddenLine xmlns:a14="http://schemas.microsoft.com/office/drawing/2010/main" xmlns="" w="9525">
+                <a14:hiddenLine xmlns="" xmlns:a14="http://schemas.microsoft.com/office/drawing/2010/main" w="9525">
                   <a:solidFill>
                     <a:srgbClr val="000000"/>
                   </a:solidFill>
@@ -3994,7 +3995,7 @@
             </a:ln>
             <a:extLst>
               <a:ext uri="{91240B29-F687-4f45-9708-019B960494DF}">
-                <a14:hiddenLine xmlns:a14="http://schemas.microsoft.com/office/drawing/2010/main" xmlns="" w="9525">
+                <a14:hiddenLine xmlns="" xmlns:a14="http://schemas.microsoft.com/office/drawing/2010/main" w="9525">
                   <a:solidFill>
                     <a:srgbClr val="000000"/>
                   </a:solidFill>
@@ -4114,7 +4115,7 @@
             </a:ln>
             <a:extLst>
               <a:ext uri="{91240B29-F687-4f45-9708-019B960494DF}">
-                <a14:hiddenLine xmlns:a14="http://schemas.microsoft.com/office/drawing/2010/main" xmlns="" w="9525">
+                <a14:hiddenLine xmlns="" xmlns:a14="http://schemas.microsoft.com/office/drawing/2010/main" w="9525">
                   <a:solidFill>
                     <a:srgbClr val="000000"/>
                   </a:solidFill>
@@ -4182,7 +4183,7 @@
             </a:ln>
             <a:extLst>
               <a:ext uri="{91240B29-F687-4f45-9708-019B960494DF}">
-                <a14:hiddenLine xmlns:a14="http://schemas.microsoft.com/office/drawing/2010/main" xmlns="" w="9525">
+                <a14:hiddenLine xmlns="" xmlns:a14="http://schemas.microsoft.com/office/drawing/2010/main" w="9525">
                   <a:solidFill>
                     <a:srgbClr val="000000"/>
                   </a:solidFill>
@@ -4272,7 +4273,7 @@
             </a:ln>
             <a:extLst>
               <a:ext uri="{91240B29-F687-4f45-9708-019B960494DF}">
-                <a14:hiddenLine xmlns:a14="http://schemas.microsoft.com/office/drawing/2010/main" xmlns="" w="9525">
+                <a14:hiddenLine xmlns="" xmlns:a14="http://schemas.microsoft.com/office/drawing/2010/main" w="9525">
                   <a:solidFill>
                     <a:srgbClr val="000000"/>
                   </a:solidFill>
@@ -4412,7 +4413,7 @@
           <a:p>
             <a:fld id="{5BCAD085-E8A6-8845-BD4E-CB4CCA059FC4}" type="datetimeFigureOut">
               <a:rPr lang="en-US" smtClean="0"/>
-              <a:t>5/4/2025</a:t>
+              <a:t>5/5/2025</a:t>
             </a:fld>
             <a:endParaRPr lang="en-US"/>
           </a:p>
@@ -4679,7 +4680,7 @@
           <a:p>
             <a:fld id="{5BCAD085-E8A6-8845-BD4E-CB4CCA059FC4}" type="datetimeFigureOut">
               <a:rPr lang="en-US" smtClean="0"/>
-              <a:t>5/4/2025</a:t>
+              <a:t>5/5/2025</a:t>
             </a:fld>
             <a:endParaRPr lang="en-US"/>
           </a:p>
@@ -4875,7 +4876,7 @@
           <a:p>
             <a:fld id="{5BCAD085-E8A6-8845-BD4E-CB4CCA059FC4}" type="datetimeFigureOut">
               <a:rPr lang="en-US" smtClean="0"/>
-              <a:t>5/4/2025</a:t>
+              <a:t>5/5/2025</a:t>
             </a:fld>
             <a:endParaRPr lang="en-US"/>
           </a:p>
@@ -5138,7 +5139,7 @@
           <a:p>
             <a:fld id="{5BCAD085-E8A6-8845-BD4E-CB4CCA059FC4}" type="datetimeFigureOut">
               <a:rPr lang="en-US" smtClean="0"/>
-              <a:t>5/4/2025</a:t>
+              <a:t>5/5/2025</a:t>
             </a:fld>
             <a:endParaRPr lang="en-US"/>
           </a:p>
@@ -5572,7 +5573,7 @@
           <a:p>
             <a:fld id="{5BCAD085-E8A6-8845-BD4E-CB4CCA059FC4}" type="datetimeFigureOut">
               <a:rPr lang="en-US" smtClean="0"/>
-              <a:t>5/4/2025</a:t>
+              <a:t>5/5/2025</a:t>
             </a:fld>
             <a:endParaRPr lang="en-US"/>
           </a:p>
@@ -6118,7 +6119,7 @@
           <a:p>
             <a:fld id="{5BCAD085-E8A6-8845-BD4E-CB4CCA059FC4}" type="datetimeFigureOut">
               <a:rPr lang="en-US" smtClean="0"/>
-              <a:t>5/4/2025</a:t>
+              <a:t>5/5/2025</a:t>
             </a:fld>
             <a:endParaRPr lang="en-US"/>
           </a:p>
@@ -6838,7 +6839,7 @@
           <a:p>
             <a:fld id="{5BCAD085-E8A6-8845-BD4E-CB4CCA059FC4}" type="datetimeFigureOut">
               <a:rPr lang="en-US" smtClean="0"/>
-              <a:t>5/4/2025</a:t>
+              <a:t>5/5/2025</a:t>
             </a:fld>
             <a:endParaRPr lang="en-US"/>
           </a:p>
@@ -7008,7 +7009,7 @@
           <a:p>
             <a:fld id="{5BCAD085-E8A6-8845-BD4E-CB4CCA059FC4}" type="datetimeFigureOut">
               <a:rPr lang="en-US" smtClean="0"/>
-              <a:t>5/4/2025</a:t>
+              <a:t>5/5/2025</a:t>
             </a:fld>
             <a:endParaRPr lang="en-US"/>
           </a:p>
@@ -7188,7 +7189,7 @@
           <a:p>
             <a:fld id="{5BCAD085-E8A6-8845-BD4E-CB4CCA059FC4}" type="datetimeFigureOut">
               <a:rPr lang="en-US" smtClean="0"/>
-              <a:t>5/4/2025</a:t>
+              <a:t>5/5/2025</a:t>
             </a:fld>
             <a:endParaRPr lang="en-US"/>
           </a:p>
@@ -7358,7 +7359,7 @@
           <a:p>
             <a:fld id="{5BCAD085-E8A6-8845-BD4E-CB4CCA059FC4}" type="datetimeFigureOut">
               <a:rPr lang="en-US" smtClean="0"/>
-              <a:t>5/4/2025</a:t>
+              <a:t>5/5/2025</a:t>
             </a:fld>
             <a:endParaRPr lang="en-US"/>
           </a:p>
@@ -7608,7 +7609,7 @@
           <a:p>
             <a:fld id="{5BCAD085-E8A6-8845-BD4E-CB4CCA059FC4}" type="datetimeFigureOut">
               <a:rPr lang="en-US" smtClean="0"/>
-              <a:t>5/4/2025</a:t>
+              <a:t>5/5/2025</a:t>
             </a:fld>
             <a:endParaRPr lang="en-US"/>
           </a:p>
@@ -7840,7 +7841,7 @@
           <a:p>
             <a:fld id="{5BCAD085-E8A6-8845-BD4E-CB4CCA059FC4}" type="datetimeFigureOut">
               <a:rPr lang="en-US" smtClean="0"/>
-              <a:t>5/4/2025</a:t>
+              <a:t>5/5/2025</a:t>
             </a:fld>
             <a:endParaRPr lang="en-US"/>
           </a:p>
@@ -8221,7 +8222,7 @@
           <a:p>
             <a:fld id="{5BCAD085-E8A6-8845-BD4E-CB4CCA059FC4}" type="datetimeFigureOut">
               <a:rPr lang="en-US" smtClean="0"/>
-              <a:t>5/4/2025</a:t>
+              <a:t>5/5/2025</a:t>
             </a:fld>
             <a:endParaRPr lang="en-US"/>
           </a:p>
@@ -8339,7 +8340,7 @@
           <a:p>
             <a:fld id="{5BCAD085-E8A6-8845-BD4E-CB4CCA059FC4}" type="datetimeFigureOut">
               <a:rPr lang="en-US" smtClean="0"/>
-              <a:t>5/4/2025</a:t>
+              <a:t>5/5/2025</a:t>
             </a:fld>
             <a:endParaRPr lang="en-US"/>
           </a:p>
@@ -8434,7 +8435,7 @@
           <a:p>
             <a:fld id="{5BCAD085-E8A6-8845-BD4E-CB4CCA059FC4}" type="datetimeFigureOut">
               <a:rPr lang="en-US" smtClean="0"/>
-              <a:t>5/4/2025</a:t>
+              <a:t>5/5/2025</a:t>
             </a:fld>
             <a:endParaRPr lang="en-US"/>
           </a:p>
@@ -8683,7 +8684,7 @@
           <a:p>
             <a:fld id="{5BCAD085-E8A6-8845-BD4E-CB4CCA059FC4}" type="datetimeFigureOut">
               <a:rPr lang="en-US" smtClean="0"/>
-              <a:t>5/4/2025</a:t>
+              <a:t>5/5/2025</a:t>
             </a:fld>
             <a:endParaRPr lang="en-US"/>
           </a:p>
@@ -8963,7 +8964,7 @@
           <a:p>
             <a:fld id="{5BCAD085-E8A6-8845-BD4E-CB4CCA059FC4}" type="datetimeFigureOut">
               <a:rPr lang="en-US" smtClean="0"/>
-              <a:t>5/4/2025</a:t>
+              <a:t>5/5/2025</a:t>
             </a:fld>
             <a:endParaRPr lang="en-US"/>
           </a:p>
@@ -9086,7 +9087,7 @@
           <a:noFill/>
           <a:extLst>
             <a:ext uri="{909E8E84-426E-40dd-AFC4-6F175D3DCCD1}">
-              <a14:hiddenFill xmlns:a14="http://schemas.microsoft.com/office/drawing/2010/main" xmlns="">
+              <a14:hiddenFill xmlns="" xmlns:a14="http://schemas.microsoft.com/office/drawing/2010/main">
                 <a:solidFill>
                   <a:srgbClr val="FFFFFF"/>
                 </a:solidFill>
@@ -9160,7 +9161,7 @@
               </a:ln>
               <a:extLst>
                 <a:ext uri="{91240B29-F687-4f45-9708-019B960494DF}">
-                  <a14:hiddenLine xmlns:a14="http://schemas.microsoft.com/office/drawing/2010/main" xmlns="" w="9525">
+                  <a14:hiddenLine xmlns="" xmlns:a14="http://schemas.microsoft.com/office/drawing/2010/main" w="9525">
                     <a:solidFill>
                       <a:srgbClr val="000000"/>
                     </a:solidFill>
@@ -9250,7 +9251,7 @@
               </a:ln>
               <a:extLst>
                 <a:ext uri="{91240B29-F687-4f45-9708-019B960494DF}">
-                  <a14:hiddenLine xmlns:a14="http://schemas.microsoft.com/office/drawing/2010/main" xmlns="" w="9525">
+                  <a14:hiddenLine xmlns="" xmlns:a14="http://schemas.microsoft.com/office/drawing/2010/main" w="9525">
                     <a:solidFill>
                       <a:srgbClr val="000000"/>
                     </a:solidFill>
@@ -9340,7 +9341,7 @@
               </a:ln>
               <a:extLst>
                 <a:ext uri="{91240B29-F687-4f45-9708-019B960494DF}">
-                  <a14:hiddenLine xmlns:a14="http://schemas.microsoft.com/office/drawing/2010/main" xmlns="" w="9525">
+                  <a14:hiddenLine xmlns="" xmlns:a14="http://schemas.microsoft.com/office/drawing/2010/main" w="9525">
                     <a:solidFill>
                       <a:srgbClr val="000000"/>
                     </a:solidFill>
@@ -9402,7 +9403,7 @@
               </a:ln>
               <a:extLst>
                 <a:ext uri="{91240B29-F687-4f45-9708-019B960494DF}">
-                  <a14:hiddenLine xmlns:a14="http://schemas.microsoft.com/office/drawing/2010/main" xmlns="" w="9525">
+                  <a14:hiddenLine xmlns="" xmlns:a14="http://schemas.microsoft.com/office/drawing/2010/main" w="9525">
                     <a:solidFill>
                       <a:srgbClr val="000000"/>
                     </a:solidFill>
@@ -9492,7 +9493,7 @@
               </a:ln>
               <a:extLst>
                 <a:ext uri="{91240B29-F687-4f45-9708-019B960494DF}">
-                  <a14:hiddenLine xmlns:a14="http://schemas.microsoft.com/office/drawing/2010/main" xmlns="" w="9525">
+                  <a14:hiddenLine xmlns="" xmlns:a14="http://schemas.microsoft.com/office/drawing/2010/main" w="9525">
                     <a:solidFill>
                       <a:srgbClr val="000000"/>
                     </a:solidFill>
@@ -9554,7 +9555,7 @@
               </a:ln>
               <a:extLst>
                 <a:ext uri="{91240B29-F687-4f45-9708-019B960494DF}">
-                  <a14:hiddenLine xmlns:a14="http://schemas.microsoft.com/office/drawing/2010/main" xmlns="" w="9525">
+                  <a14:hiddenLine xmlns="" xmlns:a14="http://schemas.microsoft.com/office/drawing/2010/main" w="9525">
                     <a:solidFill>
                       <a:srgbClr val="000000"/>
                     </a:solidFill>
@@ -9616,7 +9617,7 @@
               </a:ln>
               <a:extLst>
                 <a:ext uri="{91240B29-F687-4f45-9708-019B960494DF}">
-                  <a14:hiddenLine xmlns:a14="http://schemas.microsoft.com/office/drawing/2010/main" xmlns="" w="9525">
+                  <a14:hiddenLine xmlns="" xmlns:a14="http://schemas.microsoft.com/office/drawing/2010/main" w="9525">
                     <a:solidFill>
                       <a:srgbClr val="000000"/>
                     </a:solidFill>
@@ -9706,7 +9707,7 @@
               </a:ln>
               <a:extLst>
                 <a:ext uri="{91240B29-F687-4f45-9708-019B960494DF}">
-                  <a14:hiddenLine xmlns:a14="http://schemas.microsoft.com/office/drawing/2010/main" xmlns="" w="9525">
+                  <a14:hiddenLine xmlns="" xmlns:a14="http://schemas.microsoft.com/office/drawing/2010/main" w="9525">
                     <a:solidFill>
                       <a:srgbClr val="000000"/>
                     </a:solidFill>
@@ -9796,7 +9797,7 @@
               </a:ln>
               <a:extLst>
                 <a:ext uri="{91240B29-F687-4f45-9708-019B960494DF}">
-                  <a14:hiddenLine xmlns:a14="http://schemas.microsoft.com/office/drawing/2010/main" xmlns="" w="9525">
+                  <a14:hiddenLine xmlns="" xmlns:a14="http://schemas.microsoft.com/office/drawing/2010/main" w="9525">
                     <a:solidFill>
                       <a:srgbClr val="000000"/>
                     </a:solidFill>
@@ -9858,7 +9859,7 @@
               </a:ln>
               <a:extLst>
                 <a:ext uri="{91240B29-F687-4f45-9708-019B960494DF}">
-                  <a14:hiddenLine xmlns:a14="http://schemas.microsoft.com/office/drawing/2010/main" xmlns="" w="9525">
+                  <a14:hiddenLine xmlns="" xmlns:a14="http://schemas.microsoft.com/office/drawing/2010/main" w="9525">
                     <a:solidFill>
                       <a:srgbClr val="000000"/>
                     </a:solidFill>
@@ -9968,7 +9969,7 @@
               </a:ln>
               <a:extLst>
                 <a:ext uri="{91240B29-F687-4f45-9708-019B960494DF}">
-                  <a14:hiddenLine xmlns:a14="http://schemas.microsoft.com/office/drawing/2010/main" xmlns="" w="9525">
+                  <a14:hiddenLine xmlns="" xmlns:a14="http://schemas.microsoft.com/office/drawing/2010/main" w="9525">
                     <a:solidFill>
                       <a:srgbClr val="000000"/>
                     </a:solidFill>
@@ -10052,7 +10053,7 @@
               </a:ln>
               <a:extLst>
                 <a:ext uri="{91240B29-F687-4f45-9708-019B960494DF}">
-                  <a14:hiddenLine xmlns:a14="http://schemas.microsoft.com/office/drawing/2010/main" xmlns="" w="9525">
+                  <a14:hiddenLine xmlns="" xmlns:a14="http://schemas.microsoft.com/office/drawing/2010/main" w="9525">
                     <a:solidFill>
                       <a:srgbClr val="000000"/>
                     </a:solidFill>
@@ -10114,7 +10115,7 @@
               </a:ln>
               <a:extLst>
                 <a:ext uri="{91240B29-F687-4f45-9708-019B960494DF}">
-                  <a14:hiddenLine xmlns:a14="http://schemas.microsoft.com/office/drawing/2010/main" xmlns="" w="9525">
+                  <a14:hiddenLine xmlns="" xmlns:a14="http://schemas.microsoft.com/office/drawing/2010/main" w="9525">
                     <a:solidFill>
                       <a:srgbClr val="000000"/>
                     </a:solidFill>
@@ -10176,7 +10177,7 @@
               </a:ln>
               <a:extLst>
                 <a:ext uri="{91240B29-F687-4f45-9708-019B960494DF}">
-                  <a14:hiddenLine xmlns:a14="http://schemas.microsoft.com/office/drawing/2010/main" xmlns="" w="9525">
+                  <a14:hiddenLine xmlns="" xmlns:a14="http://schemas.microsoft.com/office/drawing/2010/main" w="9525">
                     <a:solidFill>
                       <a:srgbClr val="000000"/>
                     </a:solidFill>
@@ -10266,7 +10267,7 @@
               </a:ln>
               <a:extLst>
                 <a:ext uri="{91240B29-F687-4f45-9708-019B960494DF}">
-                  <a14:hiddenLine xmlns:a14="http://schemas.microsoft.com/office/drawing/2010/main" xmlns="" w="9525">
+                  <a14:hiddenLine xmlns="" xmlns:a14="http://schemas.microsoft.com/office/drawing/2010/main" w="9525">
                     <a:solidFill>
                       <a:srgbClr val="000000"/>
                     </a:solidFill>
@@ -10300,7 +10301,7 @@
               </a:ln>
               <a:extLst>
                 <a:ext uri="{91240B29-F687-4f45-9708-019B960494DF}">
-                  <a14:hiddenLine xmlns:a14="http://schemas.microsoft.com/office/drawing/2010/main" xmlns="" w="9525">
+                  <a14:hiddenLine xmlns="" xmlns:a14="http://schemas.microsoft.com/office/drawing/2010/main" w="9525">
                     <a:solidFill>
                       <a:srgbClr val="000000"/>
                     </a:solidFill>
@@ -10365,7 +10366,7 @@
               </a:ln>
               <a:extLst>
                 <a:ext uri="{91240B29-F687-4f45-9708-019B960494DF}">
-                  <a14:hiddenLine xmlns:a14="http://schemas.microsoft.com/office/drawing/2010/main" xmlns="" w="9525">
+                  <a14:hiddenLine xmlns="" xmlns:a14="http://schemas.microsoft.com/office/drawing/2010/main" w="9525">
                     <a:solidFill>
                       <a:srgbClr val="000000"/>
                     </a:solidFill>
@@ -10455,7 +10456,7 @@
               </a:ln>
               <a:extLst>
                 <a:ext uri="{91240B29-F687-4f45-9708-019B960494DF}">
-                  <a14:hiddenLine xmlns:a14="http://schemas.microsoft.com/office/drawing/2010/main" xmlns="" w="9525">
+                  <a14:hiddenLine xmlns="" xmlns:a14="http://schemas.microsoft.com/office/drawing/2010/main" w="9525">
                     <a:solidFill>
                       <a:srgbClr val="000000"/>
                     </a:solidFill>
@@ -10517,7 +10518,7 @@
               </a:ln>
               <a:extLst>
                 <a:ext uri="{91240B29-F687-4f45-9708-019B960494DF}">
-                  <a14:hiddenLine xmlns:a14="http://schemas.microsoft.com/office/drawing/2010/main" xmlns="" w="9525">
+                  <a14:hiddenLine xmlns="" xmlns:a14="http://schemas.microsoft.com/office/drawing/2010/main" w="9525">
                     <a:solidFill>
                       <a:srgbClr val="000000"/>
                     </a:solidFill>
@@ -10607,7 +10608,7 @@
               </a:ln>
               <a:extLst>
                 <a:ext uri="{91240B29-F687-4f45-9708-019B960494DF}">
-                  <a14:hiddenLine xmlns:a14="http://schemas.microsoft.com/office/drawing/2010/main" xmlns="" w="9525">
+                  <a14:hiddenLine xmlns="" xmlns:a14="http://schemas.microsoft.com/office/drawing/2010/main" w="9525">
                     <a:solidFill>
                       <a:srgbClr val="000000"/>
                     </a:solidFill>
@@ -10672,7 +10673,7 @@
               </a:ln>
               <a:extLst>
                 <a:ext uri="{91240B29-F687-4f45-9708-019B960494DF}">
-                  <a14:hiddenLine xmlns:a14="http://schemas.microsoft.com/office/drawing/2010/main" xmlns="" w="9525">
+                  <a14:hiddenLine xmlns="" xmlns:a14="http://schemas.microsoft.com/office/drawing/2010/main" w="9525">
                     <a:solidFill>
                       <a:srgbClr val="000000"/>
                     </a:solidFill>
@@ -10734,7 +10735,7 @@
               </a:ln>
               <a:extLst>
                 <a:ext uri="{91240B29-F687-4f45-9708-019B960494DF}">
-                  <a14:hiddenLine xmlns:a14="http://schemas.microsoft.com/office/drawing/2010/main" xmlns="" w="9525">
+                  <a14:hiddenLine xmlns="" xmlns:a14="http://schemas.microsoft.com/office/drawing/2010/main" w="9525">
                     <a:solidFill>
                       <a:srgbClr val="000000"/>
                     </a:solidFill>
@@ -10824,7 +10825,7 @@
               </a:ln>
               <a:extLst>
                 <a:ext uri="{91240B29-F687-4f45-9708-019B960494DF}">
-                  <a14:hiddenLine xmlns:a14="http://schemas.microsoft.com/office/drawing/2010/main" xmlns="" w="9525">
+                  <a14:hiddenLine xmlns="" xmlns:a14="http://schemas.microsoft.com/office/drawing/2010/main" w="9525">
                     <a:solidFill>
                       <a:srgbClr val="000000"/>
                     </a:solidFill>
@@ -10914,7 +10915,7 @@
               </a:ln>
               <a:extLst>
                 <a:ext uri="{91240B29-F687-4f45-9708-019B960494DF}">
-                  <a14:hiddenLine xmlns:a14="http://schemas.microsoft.com/office/drawing/2010/main" xmlns="" w="9525">
+                  <a14:hiddenLine xmlns="" xmlns:a14="http://schemas.microsoft.com/office/drawing/2010/main" w="9525">
                     <a:solidFill>
                       <a:srgbClr val="000000"/>
                     </a:solidFill>
@@ -10979,7 +10980,7 @@
               </a:ln>
               <a:extLst>
                 <a:ext uri="{91240B29-F687-4f45-9708-019B960494DF}">
-                  <a14:hiddenLine xmlns:a14="http://schemas.microsoft.com/office/drawing/2010/main" xmlns="" w="9525">
+                  <a14:hiddenLine xmlns="" xmlns:a14="http://schemas.microsoft.com/office/drawing/2010/main" w="9525">
                     <a:solidFill>
                       <a:srgbClr val="000000"/>
                     </a:solidFill>
@@ -11099,7 +11100,7 @@
               </a:ln>
               <a:extLst>
                 <a:ext uri="{91240B29-F687-4f45-9708-019B960494DF}">
-                  <a14:hiddenLine xmlns:a14="http://schemas.microsoft.com/office/drawing/2010/main" xmlns="" w="9525">
+                  <a14:hiddenLine xmlns="" xmlns:a14="http://schemas.microsoft.com/office/drawing/2010/main" w="9525">
                     <a:solidFill>
                       <a:srgbClr val="000000"/>
                     </a:solidFill>
@@ -11180,7 +11181,7 @@
               </a:ln>
               <a:extLst>
                 <a:ext uri="{91240B29-F687-4f45-9708-019B960494DF}">
-                  <a14:hiddenLine xmlns:a14="http://schemas.microsoft.com/office/drawing/2010/main" xmlns="" w="9525">
+                  <a14:hiddenLine xmlns="" xmlns:a14="http://schemas.microsoft.com/office/drawing/2010/main" w="9525">
                     <a:solidFill>
                       <a:srgbClr val="000000"/>
                     </a:solidFill>
@@ -11295,7 +11296,7 @@
               </a:ln>
               <a:extLst>
                 <a:ext uri="{91240B29-F687-4f45-9708-019B960494DF}">
-                  <a14:hiddenLine xmlns:a14="http://schemas.microsoft.com/office/drawing/2010/main" xmlns="" w="9525">
+                  <a14:hiddenLine xmlns="" xmlns:a14="http://schemas.microsoft.com/office/drawing/2010/main" w="9525">
                     <a:solidFill>
                       <a:srgbClr val="000000"/>
                     </a:solidFill>
@@ -11385,7 +11386,7 @@
               </a:ln>
               <a:extLst>
                 <a:ext uri="{91240B29-F687-4f45-9708-019B960494DF}">
-                  <a14:hiddenLine xmlns:a14="http://schemas.microsoft.com/office/drawing/2010/main" xmlns="" w="9525">
+                  <a14:hiddenLine xmlns="" xmlns:a14="http://schemas.microsoft.com/office/drawing/2010/main" w="9525">
                     <a:solidFill>
                       <a:srgbClr val="000000"/>
                     </a:solidFill>
@@ -11450,7 +11451,7 @@
               </a:ln>
               <a:extLst>
                 <a:ext uri="{91240B29-F687-4f45-9708-019B960494DF}">
-                  <a14:hiddenLine xmlns:a14="http://schemas.microsoft.com/office/drawing/2010/main" xmlns="" w="9525">
+                  <a14:hiddenLine xmlns="" xmlns:a14="http://schemas.microsoft.com/office/drawing/2010/main" w="9525">
                     <a:solidFill>
                       <a:srgbClr val="000000"/>
                     </a:solidFill>
@@ -11540,7 +11541,7 @@
               </a:ln>
               <a:extLst>
                 <a:ext uri="{91240B29-F687-4f45-9708-019B960494DF}">
-                  <a14:hiddenLine xmlns:a14="http://schemas.microsoft.com/office/drawing/2010/main" xmlns="" w="9525">
+                  <a14:hiddenLine xmlns="" xmlns:a14="http://schemas.microsoft.com/office/drawing/2010/main" w="9525">
                     <a:solidFill>
                       <a:srgbClr val="000000"/>
                     </a:solidFill>
@@ -11608,7 +11609,7 @@
               </a:ln>
               <a:extLst>
                 <a:ext uri="{91240B29-F687-4f45-9708-019B960494DF}">
-                  <a14:hiddenLine xmlns:a14="http://schemas.microsoft.com/office/drawing/2010/main" xmlns="" w="9525">
+                  <a14:hiddenLine xmlns="" xmlns:a14="http://schemas.microsoft.com/office/drawing/2010/main" w="9525">
                     <a:solidFill>
                       <a:srgbClr val="000000"/>
                     </a:solidFill>
@@ -11698,7 +11699,7 @@
               </a:ln>
               <a:extLst>
                 <a:ext uri="{91240B29-F687-4f45-9708-019B960494DF}">
-                  <a14:hiddenLine xmlns:a14="http://schemas.microsoft.com/office/drawing/2010/main" xmlns="" w="9525">
+                  <a14:hiddenLine xmlns="" xmlns:a14="http://schemas.microsoft.com/office/drawing/2010/main" w="9525">
                     <a:solidFill>
                       <a:srgbClr val="000000"/>
                     </a:solidFill>
@@ -11766,7 +11767,7 @@
               </a:ln>
               <a:extLst>
                 <a:ext uri="{91240B29-F687-4f45-9708-019B960494DF}">
-                  <a14:hiddenLine xmlns:a14="http://schemas.microsoft.com/office/drawing/2010/main" xmlns="" w="9525">
+                  <a14:hiddenLine xmlns="" xmlns:a14="http://schemas.microsoft.com/office/drawing/2010/main" w="9525">
                     <a:solidFill>
                       <a:srgbClr val="000000"/>
                     </a:solidFill>
@@ -11856,7 +11857,7 @@
               </a:ln>
               <a:extLst>
                 <a:ext uri="{91240B29-F687-4f45-9708-019B960494DF}">
-                  <a14:hiddenLine xmlns:a14="http://schemas.microsoft.com/office/drawing/2010/main" xmlns="" w="9525">
+                  <a14:hiddenLine xmlns="" xmlns:a14="http://schemas.microsoft.com/office/drawing/2010/main" w="9525">
                     <a:solidFill>
                       <a:srgbClr val="000000"/>
                     </a:solidFill>
@@ -11890,7 +11891,7 @@
               </a:ln>
               <a:extLst>
                 <a:ext uri="{91240B29-F687-4f45-9708-019B960494DF}">
-                  <a14:hiddenLine xmlns:a14="http://schemas.microsoft.com/office/drawing/2010/main" xmlns="" w="9525">
+                  <a14:hiddenLine xmlns="" xmlns:a14="http://schemas.microsoft.com/office/drawing/2010/main" w="9525">
                     <a:solidFill>
                       <a:srgbClr val="000000"/>
                     </a:solidFill>
@@ -12030,7 +12031,7 @@
           <a:p>
             <a:fld id="{5BCAD085-E8A6-8845-BD4E-CB4CCA059FC4}" type="datetimeFigureOut">
               <a:rPr lang="en-US" smtClean="0"/>
-              <a:t>5/4/2025</a:t>
+              <a:t>5/5/2025</a:t>
             </a:fld>
             <a:endParaRPr lang="en-US"/>
           </a:p>
@@ -12452,67 +12453,72 @@
       </p:grpSpPr>
       <p:sp>
         <p:nvSpPr>
-          <p:cNvPr id="2" name="Title 1"/>
-          <p:cNvSpPr>
-            <a:spLocks noGrp="1"/>
-          </p:cNvSpPr>
-          <p:nvPr>
-            <p:ph type="ctrTitle"/>
-          </p:nvPr>
+          <p:cNvPr id="4" name="Rectangle 3"/>
+          <p:cNvSpPr/>
+          <p:nvPr/>
         </p:nvSpPr>
-        <p:spPr/>
+        <p:spPr>
+          <a:xfrm>
+            <a:off x="2520109" y="1925890"/>
+            <a:ext cx="4163563" cy="1015663"/>
+          </a:xfrm>
+          <a:prstGeom prst="rect">
+            <a:avLst/>
+          </a:prstGeom>
+          <a:noFill/>
+        </p:spPr>
         <p:txBody>
-          <a:bodyPr>
-            <a:normAutofit/>
+          <a:bodyPr wrap="square" lIns="91440" tIns="45720" rIns="91440" bIns="45720">
+            <a:spAutoFit/>
           </a:bodyPr>
           <a:lstStyle/>
           <a:p>
-            <a:pPr>
-              <a:defRPr sz="5200"/>
-            </a:pPr>
+            <a:pPr algn="ctr"/>
             <a:r>
-              <a:rPr lang="en-US" dirty="0" smtClean="0"/>
-              <a:t>Introducing new iPhone</a:t>
+              <a:rPr lang="en-US" sz="6000" dirty="0" smtClean="0">
+                <a:ln w="0"/>
+                <a:solidFill>
+                  <a:schemeClr val="tx1">
+                    <a:lumMod val="75000"/>
+                  </a:schemeClr>
+                </a:solidFill>
+                <a:effectLst>
+                  <a:reflection blurRad="6350" stA="53000" endA="300" endPos="35500" dir="5400000" sy="-90000" algn="bl" rotWithShape="0"/>
+                </a:effectLst>
+              </a:rPr>
+              <a:t>WELCOME</a:t>
             </a:r>
-            <a:endParaRPr dirty="0"/>
-          </a:p>
-        </p:txBody>
-      </p:sp>
-      <p:sp>
-        <p:nvSpPr>
-          <p:cNvPr id="3" name="Subtitle 2"/>
-          <p:cNvSpPr>
-            <a:spLocks noGrp="1"/>
-          </p:cNvSpPr>
-          <p:nvPr>
-            <p:ph type="subTitle" idx="1"/>
-          </p:nvPr>
-        </p:nvSpPr>
-        <p:spPr/>
-        <p:txBody>
-          <a:bodyPr/>
-          <a:lstStyle/>
-          <a:p>
-            <a:r>
-              <a:rPr lang="en-US" dirty="0" smtClean="0"/>
-              <a:t>First iPhone with apple intelligence</a:t>
-            </a:r>
-            <a:endParaRPr dirty="0"/>
+            <a:endParaRPr lang="en-US" sz="6000" b="0" cap="none" spc="0" dirty="0">
+              <a:ln w="0"/>
+              <a:solidFill>
+                <a:schemeClr val="tx1">
+                  <a:lumMod val="75000"/>
+                </a:schemeClr>
+              </a:solidFill>
+              <a:effectLst>
+                <a:reflection blurRad="6350" stA="53000" endA="300" endPos="35500" dir="5400000" sy="-90000" algn="bl" rotWithShape="0"/>
+              </a:effectLst>
+            </a:endParaRPr>
           </a:p>
         </p:txBody>
       </p:sp>
     </p:spTree>
+    <p:extLst>
+      <p:ext uri="{BB962C8B-B14F-4D97-AF65-F5344CB8AC3E}">
+        <p14:creationId xmlns:p14="http://schemas.microsoft.com/office/powerpoint/2010/main" val="3804815523"/>
+      </p:ext>
+    </p:extLst>
   </p:cSld>
   <p:clrMapOvr>
     <a:masterClrMapping/>
   </p:clrMapOvr>
-  <mc:AlternateContent xmlns:mc="http://schemas.openxmlformats.org/markup-compatibility/2006" xmlns:p15="http://schemas.microsoft.com/office/powerpoint/2012/main">
-    <mc:Choice Requires="p15">
+  <mc:AlternateContent xmlns:mc="http://schemas.openxmlformats.org/markup-compatibility/2006">
+    <mc:Choice xmlns:p15="http://schemas.microsoft.com/office/powerpoint/2012/main" Requires="p15">
       <p:transition xmlns:p14="http://schemas.microsoft.com/office/powerpoint/2010/main" spd="slow" p14:dur="6000">
         <p15:prstTrans prst="curtains"/>
       </p:transition>
     </mc:Choice>
-    <mc:Fallback xmlns="">
+    <mc:Fallback>
       <p:transition spd="slow">
         <p:fade/>
       </p:transition>
@@ -12552,6 +12558,101 @@
             <a:spLocks noGrp="1"/>
           </p:cNvSpPr>
           <p:nvPr>
+            <p:ph type="ctrTitle"/>
+          </p:nvPr>
+        </p:nvSpPr>
+        <p:spPr/>
+        <p:txBody>
+          <a:bodyPr>
+            <a:normAutofit/>
+          </a:bodyPr>
+          <a:lstStyle/>
+          <a:p>
+            <a:pPr>
+              <a:defRPr sz="5200"/>
+            </a:pPr>
+            <a:r>
+              <a:rPr lang="en-US" dirty="0" smtClean="0"/>
+              <a:t>Introducing new iPhone</a:t>
+            </a:r>
+            <a:endParaRPr dirty="0"/>
+          </a:p>
+        </p:txBody>
+      </p:sp>
+      <p:sp>
+        <p:nvSpPr>
+          <p:cNvPr id="3" name="Subtitle 2"/>
+          <p:cNvSpPr>
+            <a:spLocks noGrp="1"/>
+          </p:cNvSpPr>
+          <p:nvPr>
+            <p:ph type="subTitle" idx="1"/>
+          </p:nvPr>
+        </p:nvSpPr>
+        <p:spPr/>
+        <p:txBody>
+          <a:bodyPr/>
+          <a:lstStyle/>
+          <a:p>
+            <a:r>
+              <a:rPr lang="en-US" dirty="0" smtClean="0"/>
+              <a:t>First iPhone with apple intelligence</a:t>
+            </a:r>
+            <a:endParaRPr dirty="0"/>
+          </a:p>
+        </p:txBody>
+      </p:sp>
+    </p:spTree>
+  </p:cSld>
+  <p:clrMapOvr>
+    <a:masterClrMapping/>
+  </p:clrMapOvr>
+  <mc:AlternateContent xmlns:mc="http://schemas.openxmlformats.org/markup-compatibility/2006">
+    <mc:Choice xmlns:p14="http://schemas.microsoft.com/office/powerpoint/2010/main" Requires="p14">
+      <p:transition spd="slow" p14:dur="1500">
+        <p:split orient="vert"/>
+      </p:transition>
+    </mc:Choice>
+    <mc:Fallback>
+      <p:transition spd="slow">
+        <p:split orient="vert"/>
+      </p:transition>
+    </mc:Fallback>
+  </mc:AlternateContent>
+  <p:timing>
+    <p:tnLst>
+      <p:par>
+        <p:cTn id="1" dur="indefinite" restart="never" nodeType="tmRoot"/>
+      </p:par>
+    </p:tnLst>
+  </p:timing>
+</p:sld>
+</file>
+
+<file path=ppt/slides/slide3.xml><?xml version="1.0" encoding="utf-8"?>
+<p:sld xmlns:a="http://schemas.openxmlformats.org/drawingml/2006/main" xmlns:r="http://schemas.openxmlformats.org/officeDocument/2006/relationships" xmlns:p="http://schemas.openxmlformats.org/presentationml/2006/main">
+  <p:cSld>
+    <p:spTree>
+      <p:nvGrpSpPr>
+        <p:cNvPr id="1" name=""/>
+        <p:cNvGrpSpPr/>
+        <p:nvPr/>
+      </p:nvGrpSpPr>
+      <p:grpSpPr>
+        <a:xfrm>
+          <a:off x="0" y="0"/>
+          <a:ext cx="0" cy="0"/>
+          <a:chOff x="0" y="0"/>
+          <a:chExt cx="0" cy="0"/>
+        </a:xfrm>
+      </p:grpSpPr>
+      <p:sp>
+        <p:nvSpPr>
+          <p:cNvPr id="2" name="Title 1"/>
+          <p:cNvSpPr>
+            <a:spLocks noGrp="1"/>
+          </p:cNvSpPr>
+          <p:nvPr>
             <p:ph type="title"/>
           </p:nvPr>
         </p:nvSpPr>
@@ -12641,7 +12742,7 @@
 </p:sld>
 </file>
 
-<file path=ppt/slides/slide3.xml><?xml version="1.0" encoding="utf-8"?>
+<file path=ppt/slides/slide4.xml><?xml version="1.0" encoding="utf-8"?>
 <p:sld xmlns:a="http://schemas.openxmlformats.org/drawingml/2006/main" xmlns:r="http://schemas.openxmlformats.org/officeDocument/2006/relationships" xmlns:p="http://schemas.openxmlformats.org/presentationml/2006/main">
   <p:cSld>
     <p:spTree>
@@ -12802,119 +12903,6 @@
 </p:sld>
 </file>
 
-<file path=ppt/slides/slide4.xml><?xml version="1.0" encoding="utf-8"?>
-<p:sld xmlns:a="http://schemas.openxmlformats.org/drawingml/2006/main" xmlns:r="http://schemas.openxmlformats.org/officeDocument/2006/relationships" xmlns:p="http://schemas.openxmlformats.org/presentationml/2006/main">
-  <p:cSld>
-    <p:spTree>
-      <p:nvGrpSpPr>
-        <p:cNvPr id="1" name=""/>
-        <p:cNvGrpSpPr/>
-        <p:nvPr/>
-      </p:nvGrpSpPr>
-      <p:grpSpPr>
-        <a:xfrm>
-          <a:off x="0" y="0"/>
-          <a:ext cx="0" cy="0"/>
-          <a:chOff x="0" y="0"/>
-          <a:chExt cx="0" cy="0"/>
-        </a:xfrm>
-      </p:grpSpPr>
-      <p:sp>
-        <p:nvSpPr>
-          <p:cNvPr id="2" name="Title 1"/>
-          <p:cNvSpPr>
-            <a:spLocks noGrp="1"/>
-          </p:cNvSpPr>
-          <p:nvPr>
-            <p:ph type="title"/>
-          </p:nvPr>
-        </p:nvSpPr>
-        <p:spPr/>
-        <p:txBody>
-          <a:bodyPr/>
-          <a:lstStyle/>
-          <a:p>
-            <a:pPr algn="l"/>
-            <a:r>
-              <a:rPr sz="2200"/>
-              <a:t>Discount Structure Based on Quantity</a:t>
-            </a:r>
-          </a:p>
-        </p:txBody>
-      </p:sp>
-      <p:sp>
-        <p:nvSpPr>
-          <p:cNvPr id="3" name="Content Placeholder 2"/>
-          <p:cNvSpPr>
-            <a:spLocks noGrp="1"/>
-          </p:cNvSpPr>
-          <p:nvPr>
-            <p:ph idx="1"/>
-          </p:nvPr>
-        </p:nvSpPr>
-        <p:spPr/>
-        <p:txBody>
-          <a:bodyPr/>
-          <a:lstStyle/>
-          <a:p>
-            <a:r>
-              <a:rPr sz="1400" b="1"/>
-              <a:t>Tiered Discount Percentages: </a:t>
-            </a:r>
-            <a:r>
-              <a:rPr sz="1400"/>
-              <a:t>Discounts escalate from 5% for 1 item up to 33% for 41 or more, rewarding increased order volume.</a:t>
-            </a:r>
-          </a:p>
-          <a:p>
-            <a:r>
-              <a:rPr sz="1400" b="1"/>
-              <a:t>Encouragement of Bulk Purchases: </a:t>
-            </a:r>
-            <a:r>
-              <a:rPr sz="1400"/>
-              <a:t>Higher discounts incentivize customers to increase quantity, boosting overall sales volume effectively.</a:t>
-            </a:r>
-          </a:p>
-          <a:p>
-            <a:r>
-              <a:rPr sz="1400" b="1"/>
-              <a:t>Strategic Pricing Implication: </a:t>
-            </a:r>
-            <a:r>
-              <a:rPr sz="1400"/>
-              <a:t>Graduated discounts strategically balance profit margins with consumer purchase motivation enhancing revenue.</a:t>
-            </a:r>
-          </a:p>
-        </p:txBody>
-      </p:sp>
-    </p:spTree>
-  </p:cSld>
-  <p:clrMapOvr>
-    <a:masterClrMapping/>
-  </p:clrMapOvr>
-  <mc:AlternateContent xmlns:mc="http://schemas.openxmlformats.org/markup-compatibility/2006" xmlns:p15="http://schemas.microsoft.com/office/powerpoint/2012/main">
-    <mc:Choice Requires="p15">
-      <p:transition xmlns:p14="http://schemas.microsoft.com/office/powerpoint/2010/main" spd="slow" p14:dur="2000">
-        <p15:prstTrans prst="drape"/>
-      </p:transition>
-    </mc:Choice>
-    <mc:Fallback xmlns="">
-      <p:transition spd="slow">
-        <p:fade/>
-      </p:transition>
-    </mc:Fallback>
-  </mc:AlternateContent>
-  <p:timing>
-    <p:tnLst>
-      <p:par>
-        <p:cTn id="1" dur="indefinite" restart="never" nodeType="tmRoot"/>
-      </p:par>
-    </p:tnLst>
-  </p:timing>
-</p:sld>
-</file>
-
 <file path=ppt/slides/slide5.xml><?xml version="1.0" encoding="utf-8"?>
 <p:sld xmlns:a="http://schemas.openxmlformats.org/drawingml/2006/main" xmlns:r="http://schemas.openxmlformats.org/officeDocument/2006/relationships" xmlns:p="http://schemas.openxmlformats.org/presentationml/2006/main">
   <p:cSld>
@@ -12950,7 +12938,7 @@
             <a:pPr algn="l"/>
             <a:r>
               <a:rPr sz="2200"/>
-              <a:t>GST Calculation on Mobile Cost</a:t>
+              <a:t>Discount Structure Based on Quantity</a:t>
             </a:r>
           </a:p>
         </p:txBody>
@@ -12972,31 +12960,31 @@
           <a:p>
             <a:r>
               <a:rPr sz="1400" b="1"/>
-              <a:t>SGST and CGST Rates: </a:t>
+              <a:t>Tiered Discount Percentages: </a:t>
             </a:r>
             <a:r>
               <a:rPr sz="1400"/>
-              <a:t>Both SGST and CGST are levied at 18% each, calculated on the mobile's base price of ₹90,000.</a:t>
+              <a:t>Discounts escalate from 5% for 1 item up to 33% for 41 or more, rewarding increased order volume.</a:t>
             </a:r>
           </a:p>
           <a:p>
             <a:r>
               <a:rPr sz="1400" b="1"/>
-              <a:t>SGST Amount per Unit: </a:t>
+              <a:t>Encouragement of Bulk Purchases: </a:t>
             </a:r>
             <a:r>
               <a:rPr sz="1400"/>
-              <a:t>SGST for each unit equals 18% of ₹90,000, resulting in ₹16,200 added to the cost separately.</a:t>
+              <a:t>Higher discounts incentivize customers to increase quantity, boosting overall sales volume effectively.</a:t>
             </a:r>
           </a:p>
           <a:p>
             <a:r>
               <a:rPr sz="1400" b="1"/>
-              <a:t>CGST Amount per Unit: </a:t>
+              <a:t>Strategic Pricing Implication: </a:t>
             </a:r>
             <a:r>
               <a:rPr sz="1400"/>
-              <a:t>Similarly, CGST per unit is ₹16,200, making total tax ₹32,400 by summing SGST and CGST equally.</a:t>
+              <a:t>Graduated discounts strategically balance profit margins with consumer purchase motivation enhancing revenue.</a:t>
             </a:r>
           </a:p>
         </p:txBody>
@@ -13029,6 +13017,119 @@
 </file>
 
 <file path=ppt/slides/slide6.xml><?xml version="1.0" encoding="utf-8"?>
+<p:sld xmlns:a="http://schemas.openxmlformats.org/drawingml/2006/main" xmlns:r="http://schemas.openxmlformats.org/officeDocument/2006/relationships" xmlns:p="http://schemas.openxmlformats.org/presentationml/2006/main">
+  <p:cSld>
+    <p:spTree>
+      <p:nvGrpSpPr>
+        <p:cNvPr id="1" name=""/>
+        <p:cNvGrpSpPr/>
+        <p:nvPr/>
+      </p:nvGrpSpPr>
+      <p:grpSpPr>
+        <a:xfrm>
+          <a:off x="0" y="0"/>
+          <a:ext cx="0" cy="0"/>
+          <a:chOff x="0" y="0"/>
+          <a:chExt cx="0" cy="0"/>
+        </a:xfrm>
+      </p:grpSpPr>
+      <p:sp>
+        <p:nvSpPr>
+          <p:cNvPr id="2" name="Title 1"/>
+          <p:cNvSpPr>
+            <a:spLocks noGrp="1"/>
+          </p:cNvSpPr>
+          <p:nvPr>
+            <p:ph type="title"/>
+          </p:nvPr>
+        </p:nvSpPr>
+        <p:spPr/>
+        <p:txBody>
+          <a:bodyPr/>
+          <a:lstStyle/>
+          <a:p>
+            <a:pPr algn="l"/>
+            <a:r>
+              <a:rPr sz="2200"/>
+              <a:t>GST Calculation on Mobile Cost</a:t>
+            </a:r>
+          </a:p>
+        </p:txBody>
+      </p:sp>
+      <p:sp>
+        <p:nvSpPr>
+          <p:cNvPr id="3" name="Content Placeholder 2"/>
+          <p:cNvSpPr>
+            <a:spLocks noGrp="1"/>
+          </p:cNvSpPr>
+          <p:nvPr>
+            <p:ph idx="1"/>
+          </p:nvPr>
+        </p:nvSpPr>
+        <p:spPr/>
+        <p:txBody>
+          <a:bodyPr/>
+          <a:lstStyle/>
+          <a:p>
+            <a:r>
+              <a:rPr sz="1400" b="1"/>
+              <a:t>SGST and CGST Rates: </a:t>
+            </a:r>
+            <a:r>
+              <a:rPr sz="1400"/>
+              <a:t>Both SGST and CGST are levied at 18% each, calculated on the mobile's base price of ₹90,000.</a:t>
+            </a:r>
+          </a:p>
+          <a:p>
+            <a:r>
+              <a:rPr sz="1400" b="1"/>
+              <a:t>SGST Amount per Unit: </a:t>
+            </a:r>
+            <a:r>
+              <a:rPr sz="1400"/>
+              <a:t>SGST for each unit equals 18% of ₹90,000, resulting in ₹16,200 added to the cost separately.</a:t>
+            </a:r>
+          </a:p>
+          <a:p>
+            <a:r>
+              <a:rPr sz="1400" b="1"/>
+              <a:t>CGST Amount per Unit: </a:t>
+            </a:r>
+            <a:r>
+              <a:rPr sz="1400"/>
+              <a:t>Similarly, CGST per unit is ₹16,200, making total tax ₹32,400 by summing SGST and CGST equally.</a:t>
+            </a:r>
+          </a:p>
+        </p:txBody>
+      </p:sp>
+    </p:spTree>
+  </p:cSld>
+  <p:clrMapOvr>
+    <a:masterClrMapping/>
+  </p:clrMapOvr>
+  <mc:AlternateContent xmlns:mc="http://schemas.openxmlformats.org/markup-compatibility/2006" xmlns:p15="http://schemas.microsoft.com/office/powerpoint/2012/main">
+    <mc:Choice Requires="p15">
+      <p:transition xmlns:p14="http://schemas.microsoft.com/office/powerpoint/2010/main" spd="slow" p14:dur="2000">
+        <p15:prstTrans prst="drape"/>
+      </p:transition>
+    </mc:Choice>
+    <mc:Fallback xmlns="">
+      <p:transition spd="slow">
+        <p:fade/>
+      </p:transition>
+    </mc:Fallback>
+  </mc:AlternateContent>
+  <p:timing>
+    <p:tnLst>
+      <p:par>
+        <p:cTn id="1" dur="indefinite" restart="never" nodeType="tmRoot"/>
+      </p:par>
+    </p:tnLst>
+  </p:timing>
+</p:sld>
+</file>
+
+<file path=ppt/slides/slide7.xml><?xml version="1.0" encoding="utf-8"?>
 <p:sld xmlns:a="http://schemas.openxmlformats.org/drawingml/2006/main" xmlns:r="http://schemas.openxmlformats.org/officeDocument/2006/relationships" xmlns:p="http://schemas.openxmlformats.org/presentationml/2006/main">
   <p:cSld>
     <p:spTree>
@@ -13189,7 +13290,7 @@
 </p:sld>
 </file>
 
-<file path=ppt/slides/slide7.xml><?xml version="1.0" encoding="utf-8"?>
+<file path=ppt/slides/slide8.xml><?xml version="1.0" encoding="utf-8"?>
 <p:sld xmlns:a="http://schemas.openxmlformats.org/drawingml/2006/main" xmlns:r="http://schemas.openxmlformats.org/officeDocument/2006/relationships" xmlns:p="http://schemas.openxmlformats.org/presentationml/2006/main">
   <p:cSld>
     <p:spTree>
@@ -13302,7 +13403,7 @@
 </p:sld>
 </file>
 
-<file path=ppt/slides/slide8.xml><?xml version="1.0" encoding="utf-8"?>
+<file path=ppt/slides/slide9.xml><?xml version="1.0" encoding="utf-8"?>
 <p:sld xmlns:a="http://schemas.openxmlformats.org/drawingml/2006/main" xmlns:r="http://schemas.openxmlformats.org/officeDocument/2006/relationships" xmlns:p="http://schemas.openxmlformats.org/presentationml/2006/main">
   <p:cSld>
     <p:spTree>
